--- a/Presentation/Presentation.pptx
+++ b/Presentation/Presentation.pptx
@@ -116,7 +116,7 @@
   </p:defaultTextStyle>
   <p:extLst>
     <p:ext uri="{EFAFB233-063F-42B5-8137-9DF3F51BA10A}">
-      <p15:sldGuideLst xmlns:p15="http://schemas.microsoft.com/office/powerpoint/2012/main"/>
+      <p15:sldGuideLst xmlns="" xmlns:p15="http://schemas.microsoft.com/office/powerpoint/2012/main"/>
     </p:ext>
   </p:extLst>
 </p:presentation>
@@ -768,7 +768,7 @@
           <a:p>
             <a:fld id="{48A87A34-81AB-432B-8DAE-1953F412C126}" type="datetimeFigureOut">
               <a:rPr lang="en-US" smtClean="0"/>
-              <a:t>4/4/2019</a:t>
+              <a:t>4/5/2019</a:t>
             </a:fld>
             <a:endParaRPr lang="en-US" dirty="0"/>
           </a:p>
@@ -1889,7 +1889,7 @@
             <a:fld id="{48A87A34-81AB-432B-8DAE-1953F412C126}" type="datetimeFigureOut">
               <a:rPr lang="en-US" smtClean="0"/>
               <a:pPr/>
-              <a:t>4/4/2019</a:t>
+              <a:t>4/5/2019</a:t>
             </a:fld>
             <a:endParaRPr lang="en-US" dirty="0"/>
           </a:p>
@@ -2902,7 +2902,7 @@
             <a:fld id="{48A87A34-81AB-432B-8DAE-1953F412C126}" type="datetimeFigureOut">
               <a:rPr lang="en-US" smtClean="0"/>
               <a:pPr/>
-              <a:t>4/4/2019</a:t>
+              <a:t>4/5/2019</a:t>
             </a:fld>
             <a:endParaRPr lang="en-US" dirty="0"/>
           </a:p>
@@ -4074,7 +4074,7 @@
             <a:fld id="{48A87A34-81AB-432B-8DAE-1953F412C126}" type="datetimeFigureOut">
               <a:rPr lang="en-US" smtClean="0"/>
               <a:pPr/>
-              <a:t>4/4/2019</a:t>
+              <a:t>4/5/2019</a:t>
             </a:fld>
             <a:endParaRPr lang="en-US" dirty="0"/>
           </a:p>
@@ -5137,7 +5137,7 @@
             <a:fld id="{48A87A34-81AB-432B-8DAE-1953F412C126}" type="datetimeFigureOut">
               <a:rPr lang="en-US" smtClean="0"/>
               <a:pPr/>
-              <a:t>4/4/2019</a:t>
+              <a:t>4/5/2019</a:t>
             </a:fld>
             <a:endParaRPr lang="en-US" dirty="0"/>
           </a:p>
@@ -5785,7 +5785,7 @@
             <a:fld id="{48A87A34-81AB-432B-8DAE-1953F412C126}" type="datetimeFigureOut">
               <a:rPr lang="en-US" smtClean="0"/>
               <a:pPr/>
-              <a:t>4/4/2019</a:t>
+              <a:t>4/5/2019</a:t>
             </a:fld>
             <a:endParaRPr lang="en-US" dirty="0"/>
           </a:p>
@@ -6634,7 +6634,7 @@
             <a:fld id="{48A87A34-81AB-432B-8DAE-1953F412C126}" type="datetimeFigureOut">
               <a:rPr lang="en-US" smtClean="0"/>
               <a:pPr/>
-              <a:t>4/4/2019</a:t>
+              <a:t>4/5/2019</a:t>
             </a:fld>
             <a:endParaRPr lang="en-US" dirty="0"/>
           </a:p>
@@ -6810,7 +6810,7 @@
           <a:p>
             <a:fld id="{48A87A34-81AB-432B-8DAE-1953F412C126}" type="datetimeFigureOut">
               <a:rPr lang="en-US" smtClean="0"/>
-              <a:t>4/4/2019</a:t>
+              <a:t>4/5/2019</a:t>
             </a:fld>
             <a:endParaRPr lang="en-US" dirty="0"/>
           </a:p>
@@ -7808,7 +7808,7 @@
           <a:p>
             <a:fld id="{48A87A34-81AB-432B-8DAE-1953F412C126}" type="datetimeFigureOut">
               <a:rPr lang="en-US" smtClean="0"/>
-              <a:t>4/4/2019</a:t>
+              <a:t>4/5/2019</a:t>
             </a:fld>
             <a:endParaRPr lang="en-US" dirty="0"/>
           </a:p>
@@ -8014,7 +8014,7 @@
           <a:p>
             <a:fld id="{48A87A34-81AB-432B-8DAE-1953F412C126}" type="datetimeFigureOut">
               <a:rPr lang="en-US" smtClean="0"/>
-              <a:t>4/4/2019</a:t>
+              <a:t>4/5/2019</a:t>
             </a:fld>
             <a:endParaRPr lang="en-US" dirty="0"/>
           </a:p>
@@ -9076,7 +9076,7 @@
           <a:p>
             <a:fld id="{48A87A34-81AB-432B-8DAE-1953F412C126}" type="datetimeFigureOut">
               <a:rPr lang="en-US" smtClean="0"/>
-              <a:t>4/4/2019</a:t>
+              <a:t>4/5/2019</a:t>
             </a:fld>
             <a:endParaRPr lang="en-US" dirty="0"/>
           </a:p>
@@ -9348,7 +9348,7 @@
           <a:p>
             <a:fld id="{48A87A34-81AB-432B-8DAE-1953F412C126}" type="datetimeFigureOut">
               <a:rPr lang="en-US" smtClean="0"/>
-              <a:t>4/4/2019</a:t>
+              <a:t>4/5/2019</a:t>
             </a:fld>
             <a:endParaRPr lang="en-US" dirty="0"/>
           </a:p>
@@ -9408,7 +9408,7 @@
   </p:clrMapOvr>
   <p:extLst>
     <p:ext uri="{DCECCB84-F9BA-43D5-87BE-67443E8EF086}">
-      <p15:sldGuideLst xmlns:p15="http://schemas.microsoft.com/office/powerpoint/2012/main"/>
+      <p15:sldGuideLst xmlns="" xmlns:p15="http://schemas.microsoft.com/office/powerpoint/2012/main"/>
     </p:ext>
   </p:extLst>
 </p:sldLayout>
@@ -9735,7 +9735,7 @@
           <a:p>
             <a:fld id="{48A87A34-81AB-432B-8DAE-1953F412C126}" type="datetimeFigureOut">
               <a:rPr lang="en-US" smtClean="0"/>
-              <a:t>4/4/2019</a:t>
+              <a:t>4/5/2019</a:t>
             </a:fld>
             <a:endParaRPr lang="en-US" dirty="0"/>
           </a:p>
@@ -9795,7 +9795,7 @@
   </p:clrMapOvr>
   <p:extLst>
     <p:ext uri="{DCECCB84-F9BA-43D5-87BE-67443E8EF086}">
-      <p15:sldGuideLst xmlns:p15="http://schemas.microsoft.com/office/powerpoint/2012/main"/>
+      <p15:sldGuideLst xmlns="" xmlns:p15="http://schemas.microsoft.com/office/powerpoint/2012/main"/>
     </p:ext>
   </p:extLst>
 </p:sldLayout>
@@ -9858,7 +9858,7 @@
           <a:p>
             <a:fld id="{48A87A34-81AB-432B-8DAE-1953F412C126}" type="datetimeFigureOut">
               <a:rPr lang="en-US" smtClean="0"/>
-              <a:t>4/4/2019</a:t>
+              <a:t>4/5/2019</a:t>
             </a:fld>
             <a:endParaRPr lang="en-US" dirty="0"/>
           </a:p>
@@ -9953,7 +9953,7 @@
           <a:p>
             <a:fld id="{48A87A34-81AB-432B-8DAE-1953F412C126}" type="datetimeFigureOut">
               <a:rPr lang="en-US" smtClean="0"/>
-              <a:t>4/4/2019</a:t>
+              <a:t>4/5/2019</a:t>
             </a:fld>
             <a:endParaRPr lang="en-US" dirty="0"/>
           </a:p>
@@ -11062,7 +11062,7 @@
           <a:p>
             <a:fld id="{48A87A34-81AB-432B-8DAE-1953F412C126}" type="datetimeFigureOut">
               <a:rPr lang="en-US" smtClean="0"/>
-              <a:t>4/4/2019</a:t>
+              <a:t>4/5/2019</a:t>
             </a:fld>
             <a:endParaRPr lang="en-US" dirty="0"/>
           </a:p>
@@ -11158,7 +11158,7 @@
   </p:clrMapOvr>
   <p:extLst>
     <p:ext uri="{DCECCB84-F9BA-43D5-87BE-67443E8EF086}">
-      <p15:sldGuideLst xmlns:p15="http://schemas.microsoft.com/office/powerpoint/2012/main"/>
+      <p15:sldGuideLst xmlns="" xmlns:p15="http://schemas.microsoft.com/office/powerpoint/2012/main"/>
     </p:ext>
   </p:extLst>
 </p:sldLayout>
@@ -12200,7 +12200,7 @@
           <a:p>
             <a:fld id="{48A87A34-81AB-432B-8DAE-1953F412C126}" type="datetimeFigureOut">
               <a:rPr lang="en-US" smtClean="0"/>
-              <a:t>4/4/2019</a:t>
+              <a:t>4/5/2019</a:t>
             </a:fld>
             <a:endParaRPr lang="en-US" dirty="0"/>
           </a:p>
@@ -13229,7 +13229,7 @@
             <a:fld id="{48A87A34-81AB-432B-8DAE-1953F412C126}" type="datetimeFigureOut">
               <a:rPr lang="en-US" smtClean="0"/>
               <a:pPr/>
-              <a:t>4/4/2019</a:t>
+              <a:t>4/5/2019</a:t>
             </a:fld>
             <a:endParaRPr lang="en-US" dirty="0"/>
           </a:p>
@@ -13773,7 +13773,7 @@
   </p:txStyles>
   <p:extLst>
     <p:ext uri="{27BBF7A9-308A-43DC-89C8-2F10F3537804}">
-      <p15:sldGuideLst xmlns:p15="http://schemas.microsoft.com/office/powerpoint/2012/main"/>
+      <p15:sldGuideLst xmlns="" xmlns:p15="http://schemas.microsoft.com/office/powerpoint/2012/main"/>
     </p:ext>
   </p:extLst>
 </p:sldMaster>
@@ -15069,6 +15069,60 @@
           <a:chExt cx="0" cy="0"/>
         </a:xfrm>
       </p:grpSpPr>
+      <p:pic>
+        <p:nvPicPr>
+          <p:cNvPr id="1027" name="Picture 3"/>
+          <p:cNvPicPr>
+            <a:picLocks noChangeAspect="1" noChangeArrowheads="1"/>
+          </p:cNvPicPr>
+          <p:nvPr/>
+        </p:nvPicPr>
+        <p:blipFill>
+          <a:blip r:embed="rId2">
+            <a:extLst>
+              <a:ext uri="{28A0092B-C50C-407E-A947-70E740481C1C}">
+                <a14:useLocalDpi xmlns:a14="http://schemas.microsoft.com/office/drawing/2010/main" val="0"/>
+              </a:ext>
+            </a:extLst>
+          </a:blip>
+          <a:srcRect/>
+          <a:stretch>
+            <a:fillRect/>
+          </a:stretch>
+        </p:blipFill>
+        <p:spPr bwMode="auto">
+          <a:xfrm>
+            <a:off x="677335" y="2366213"/>
+            <a:ext cx="6740998" cy="3651374"/>
+          </a:xfrm>
+          <a:prstGeom prst="rect">
+            <a:avLst/>
+          </a:prstGeom>
+          <a:noFill/>
+          <a:ln>
+            <a:noFill/>
+          </a:ln>
+          <a:extLst>
+            <a:ext uri="{909E8E84-426E-40DD-AFC4-6F175D3DCCD1}">
+              <a14:hiddenFill xmlns:a14="http://schemas.microsoft.com/office/drawing/2010/main">
+                <a:solidFill>
+                  <a:schemeClr val="accent1"/>
+                </a:solidFill>
+              </a14:hiddenFill>
+            </a:ext>
+            <a:ext uri="{91240B29-F687-4F45-9708-019B960494DF}">
+              <a14:hiddenLine xmlns:a14="http://schemas.microsoft.com/office/drawing/2010/main" w="9525">
+                <a:solidFill>
+                  <a:schemeClr val="tx1"/>
+                </a:solidFill>
+                <a:miter lim="800000"/>
+                <a:headEnd/>
+                <a:tailEnd/>
+              </a14:hiddenLine>
+            </a:ext>
+          </a:extLst>
+        </p:spPr>
+      </p:pic>
       <p:sp>
         <p:nvSpPr>
           <p:cNvPr id="2" name="Title 1"/>
@@ -15105,7 +15159,7 @@
           <p:nvPr/>
         </p:nvPicPr>
         <p:blipFill rotWithShape="1">
-          <a:blip r:embed="rId2"/>
+          <a:blip r:embed="rId3"/>
           <a:srcRect l="12147" t="21299" r="56378" b="41549"/>
           <a:stretch/>
         </p:blipFill>
@@ -15128,7 +15182,7 @@
           <p:nvPr/>
         </p:nvPicPr>
         <p:blipFill rotWithShape="1">
-          <a:blip r:embed="rId2"/>
+          <a:blip r:embed="rId3"/>
           <a:srcRect l="11836" t="57344" r="68756" b="22879"/>
           <a:stretch/>
         </p:blipFill>
@@ -15142,71 +15196,18 @@
           </a:prstGeom>
         </p:spPr>
       </p:pic>
-      <p:pic>
-        <p:nvPicPr>
-          <p:cNvPr id="3" name="Picture 2"/>
-          <p:cNvPicPr>
-            <a:picLocks noChangeAspect="1"/>
-          </p:cNvPicPr>
-          <p:nvPr/>
-        </p:nvPicPr>
-        <p:blipFill>
-          <a:blip r:embed="rId3"/>
-          <a:stretch>
-            <a:fillRect/>
-          </a:stretch>
-        </p:blipFill>
-        <p:spPr>
-          <a:xfrm>
-            <a:off x="677334" y="2366212"/>
-            <a:ext cx="6681934" cy="3753494"/>
-          </a:xfrm>
-          <a:prstGeom prst="rect">
-            <a:avLst/>
-          </a:prstGeom>
-        </p:spPr>
-      </p:pic>
-      <p:pic>
-        <p:nvPicPr>
-          <p:cNvPr id="8" name="Picture 7"/>
-          <p:cNvPicPr>
-            <a:picLocks noChangeAspect="1"/>
-          </p:cNvPicPr>
-          <p:nvPr/>
-        </p:nvPicPr>
-        <p:blipFill rotWithShape="1">
-          <a:blip r:embed="rId3"/>
-          <a:srcRect t="70315" r="70420"/>
-          <a:stretch/>
-        </p:blipFill>
-        <p:spPr>
-          <a:xfrm>
-            <a:off x="4130592" y="3259832"/>
-            <a:ext cx="3031966" cy="1838270"/>
-          </a:xfrm>
-          <a:prstGeom prst="rect">
-            <a:avLst/>
-          </a:prstGeom>
-          <a:ln w="57150">
-            <a:solidFill>
-              <a:schemeClr val="accent1"/>
-            </a:solidFill>
-          </a:ln>
-        </p:spPr>
-      </p:pic>
       <p:cxnSp>
         <p:nvCxnSpPr>
           <p:cNvPr id="11" name="Straight Connector 10"/>
           <p:cNvCxnSpPr>
-            <a:stCxn id="4" idx="6"/>
-            <a:endCxn id="8" idx="1"/>
+            <a:stCxn id="4" idx="1"/>
           </p:cNvCxnSpPr>
           <p:nvPr/>
         </p:nvCxnSpPr>
         <p:spPr>
           <a:xfrm flipV="1">
-            <a:off x="2061411" y="4178967"/>
-            <a:ext cx="2069181" cy="312822"/>
+            <a:off x="2128204" y="4178968"/>
+            <a:ext cx="2002388" cy="901247"/>
           </a:xfrm>
           <a:prstGeom prst="line">
             <a:avLst/>
@@ -15232,15 +15233,15 @@
         <p:nvCxnSpPr>
           <p:cNvPr id="13" name="Straight Connector 12"/>
           <p:cNvCxnSpPr>
-            <a:stCxn id="4" idx="4"/>
-            <a:endCxn id="8" idx="1"/>
+            <a:stCxn id="4" idx="6"/>
+            <a:endCxn id="14" idx="1"/>
           </p:cNvCxnSpPr>
           <p:nvPr/>
         </p:nvCxnSpPr>
         <p:spPr>
           <a:xfrm flipV="1">
-            <a:off x="1319392" y="4178967"/>
-            <a:ext cx="2811200" cy="625643"/>
+            <a:off x="3394911" y="4178967"/>
+            <a:ext cx="735681" cy="1122447"/>
           </a:xfrm>
           <a:prstGeom prst="line">
             <a:avLst/>
@@ -15270,7 +15271,7 @@
         </p:nvSpPr>
         <p:spPr>
           <a:xfrm>
-            <a:off x="577372" y="4178967"/>
+            <a:off x="1910872" y="4988592"/>
             <a:ext cx="1484039" cy="625643"/>
           </a:xfrm>
           <a:prstGeom prst="donut">
@@ -15308,6 +15309,53 @@
           </a:p>
         </p:txBody>
       </p:sp>
+      <p:pic>
+        <p:nvPicPr>
+          <p:cNvPr id="14" name="Picture 2"/>
+          <p:cNvPicPr>
+            <a:picLocks noChangeAspect="1" noChangeArrowheads="1"/>
+          </p:cNvPicPr>
+          <p:nvPr/>
+        </p:nvPicPr>
+        <p:blipFill rotWithShape="1">
+          <a:blip r:embed="rId4">
+            <a:extLst>
+              <a:ext uri="{28A0092B-C50C-407E-A947-70E740481C1C}">
+                <a14:useLocalDpi xmlns:a14="http://schemas.microsoft.com/office/drawing/2010/main" val="0"/>
+              </a:ext>
+            </a:extLst>
+          </a:blip>
+          <a:srcRect l="19085" t="72742" r="57514"/>
+          <a:stretch/>
+        </p:blipFill>
+        <p:spPr bwMode="auto">
+          <a:xfrm>
+            <a:off x="4130592" y="3250897"/>
+            <a:ext cx="2941721" cy="1856139"/>
+          </a:xfrm>
+          <a:prstGeom prst="rect">
+            <a:avLst/>
+          </a:prstGeom>
+          <a:noFill/>
+          <a:ln w="57150">
+            <a:solidFill>
+              <a:schemeClr val="accent1"/>
+            </a:solidFill>
+            <a:miter lim="800000"/>
+            <a:headEnd/>
+            <a:tailEnd/>
+          </a:ln>
+          <a:extLst>
+            <a:ext uri="{909E8E84-426E-40DD-AFC4-6F175D3DCCD1}">
+              <a14:hiddenFill xmlns:a14="http://schemas.microsoft.com/office/drawing/2010/main">
+                <a:solidFill>
+                  <a:schemeClr val="accent1"/>
+                </a:solidFill>
+              </a14:hiddenFill>
+            </a:ext>
+          </a:extLst>
+        </p:spPr>
+      </p:pic>
     </p:spTree>
     <p:extLst>
       <p:ext uri="{BB962C8B-B14F-4D97-AF65-F5344CB8AC3E}">
@@ -15708,7 +15756,7 @@
   <a:extraClrSchemeLst/>
   <a:extLst>
     <a:ext uri="{05A4C25C-085E-4340-85A3-A5531E510DB2}">
-      <thm15:themeFamily xmlns:thm15="http://schemas.microsoft.com/office/thememl/2012/main" name="Ion Boardroom" id="{FC33163D-4339-46B1-8EED-24C834239D99}" vid="{A3AB87EF-B655-4FFF-8D05-F333AD7F2789}"/>
+      <thm15:themeFamily xmlns="" xmlns:thm15="http://schemas.microsoft.com/office/thememl/2012/main" name="Ion Boardroom" id="{FC33163D-4339-46B1-8EED-24C834239D99}" vid="{A3AB87EF-B655-4FFF-8D05-F333AD7F2789}"/>
     </a:ext>
   </a:extLst>
 </a:theme>
